--- a/llm_react.pptx
+++ b/llm_react.pptx
@@ -122,6 +122,7 @@
 <file path=ppt/revisionInfo.xml><?xml version="1.0" encoding="utf-8"?>
 <p1510:revInfo xmlns:a="http://schemas.openxmlformats.org/drawingml/2006/main" xmlns:r="http://schemas.openxmlformats.org/officeDocument/2006/relationships" xmlns:p1510="http://schemas.microsoft.com/office/powerpoint/2015/10/main">
   <p1510:revLst>
+    <p1510:client id="{346DCA6D-ADA0-4585-841A-F0A05A9B390A}" v="10" dt="2023-08-27T15:17:08.440"/>
     <p1510:client id="{5CE0104E-FB05-4CD4-A77B-458E6CAE4FCD}" v="1309" dt="2023-08-17T21:19:18.277"/>
     <p1510:client id="{EF901C5A-0865-41D5-A947-A53B90CFCC56}" v="4" dt="2023-08-24T22:40:14.699"/>
     <p1510:client id="{F2464205-65B6-46B9-89E9-DA2B2172FFE9}" v="1" dt="2023-08-16T16:26:54.601"/>
@@ -864,6 +865,30 @@
           <ac:spMkLst>
             <pc:docMk/>
             <pc:sldMk cId="0" sldId="257"/>
+            <ac:spMk id="2" creationId="{00000000-0000-0000-0000-000000000000}"/>
+          </ac:spMkLst>
+        </pc:spChg>
+      </pc:sldChg>
+    </pc:docChg>
+  </pc:docChgLst>
+  <pc:docChgLst>
+    <pc:chgData name="Mahesh Patel" userId="S::mahesh.patel@abzooba.com::35517498-9ae2-4ec2-be0a-817615323289" providerId="AD" clId="Web-{346DCA6D-ADA0-4585-841A-F0A05A9B390A}"/>
+    <pc:docChg chg="modSld">
+      <pc:chgData name="Mahesh Patel" userId="S::mahesh.patel@abzooba.com::35517498-9ae2-4ec2-be0a-817615323289" providerId="AD" clId="Web-{346DCA6D-ADA0-4585-841A-F0A05A9B390A}" dt="2023-08-27T15:17:04.659" v="8" actId="20577"/>
+      <pc:docMkLst>
+        <pc:docMk/>
+      </pc:docMkLst>
+      <pc:sldChg chg="modSp">
+        <pc:chgData name="Mahesh Patel" userId="S::mahesh.patel@abzooba.com::35517498-9ae2-4ec2-be0a-817615323289" providerId="AD" clId="Web-{346DCA6D-ADA0-4585-841A-F0A05A9B390A}" dt="2023-08-27T15:17:04.659" v="8" actId="20577"/>
+        <pc:sldMkLst>
+          <pc:docMk/>
+          <pc:sldMk cId="0" sldId="256"/>
+        </pc:sldMkLst>
+        <pc:spChg chg="mod">
+          <ac:chgData name="Mahesh Patel" userId="S::mahesh.patel@abzooba.com::35517498-9ae2-4ec2-be0a-817615323289" providerId="AD" clId="Web-{346DCA6D-ADA0-4585-841A-F0A05A9B390A}" dt="2023-08-27T15:17:04.659" v="8" actId="20577"/>
+          <ac:spMkLst>
+            <pc:docMk/>
+            <pc:sldMk cId="0" sldId="256"/>
             <ac:spMk id="2" creationId="{00000000-0000-0000-0000-000000000000}"/>
           </ac:spMkLst>
         </pc:spChg>
@@ -1056,7 +1081,7 @@
           <a:p>
             <a:fld id="{63A1C593-65D0-4073-BCC9-577B9352EA97}" type="datetimeFigureOut">
               <a:rPr lang="en-US" smtClean="0"/>
-              <a:t>8/24/2023</a:t>
+              <a:t>8/27/2023</a:t>
             </a:fld>
             <a:endParaRPr lang="en-US"/>
           </a:p>
@@ -1219,7 +1244,7 @@
           <a:p>
             <a:fld id="{63A1C593-65D0-4073-BCC9-577B9352EA97}" type="datetimeFigureOut">
               <a:rPr lang="en-US" smtClean="0"/>
-              <a:t>8/24/2023</a:t>
+              <a:t>8/27/2023</a:t>
             </a:fld>
             <a:endParaRPr lang="en-US"/>
           </a:p>
@@ -1392,7 +1417,7 @@
           <a:p>
             <a:fld id="{63A1C593-65D0-4073-BCC9-577B9352EA97}" type="datetimeFigureOut">
               <a:rPr lang="en-US" smtClean="0"/>
-              <a:t>8/24/2023</a:t>
+              <a:t>8/27/2023</a:t>
             </a:fld>
             <a:endParaRPr lang="en-US"/>
           </a:p>
@@ -1555,7 +1580,7 @@
           <a:p>
             <a:fld id="{63A1C593-65D0-4073-BCC9-577B9352EA97}" type="datetimeFigureOut">
               <a:rPr lang="en-US" smtClean="0"/>
-              <a:t>8/24/2023</a:t>
+              <a:t>8/27/2023</a:t>
             </a:fld>
             <a:endParaRPr lang="en-US"/>
           </a:p>
@@ -1795,7 +1820,7 @@
           <a:p>
             <a:fld id="{63A1C593-65D0-4073-BCC9-577B9352EA97}" type="datetimeFigureOut">
               <a:rPr lang="en-US" smtClean="0"/>
-              <a:t>8/24/2023</a:t>
+              <a:t>8/27/2023</a:t>
             </a:fld>
             <a:endParaRPr lang="en-US"/>
           </a:p>
@@ -2019,7 +2044,7 @@
           <a:p>
             <a:fld id="{63A1C593-65D0-4073-BCC9-577B9352EA97}" type="datetimeFigureOut">
               <a:rPr lang="en-US" smtClean="0"/>
-              <a:t>8/24/2023</a:t>
+              <a:t>8/27/2023</a:t>
             </a:fld>
             <a:endParaRPr lang="en-US"/>
           </a:p>
@@ -2378,7 +2403,7 @@
           <a:p>
             <a:fld id="{63A1C593-65D0-4073-BCC9-577B9352EA97}" type="datetimeFigureOut">
               <a:rPr lang="en-US" smtClean="0"/>
-              <a:t>8/24/2023</a:t>
+              <a:t>8/27/2023</a:t>
             </a:fld>
             <a:endParaRPr lang="en-US"/>
           </a:p>
@@ -2490,7 +2515,7 @@
           <a:p>
             <a:fld id="{63A1C593-65D0-4073-BCC9-577B9352EA97}" type="datetimeFigureOut">
               <a:rPr lang="en-US" smtClean="0"/>
-              <a:t>8/24/2023</a:t>
+              <a:t>8/27/2023</a:t>
             </a:fld>
             <a:endParaRPr lang="en-US"/>
           </a:p>
@@ -2580,7 +2605,7 @@
           <a:p>
             <a:fld id="{63A1C593-65D0-4073-BCC9-577B9352EA97}" type="datetimeFigureOut">
               <a:rPr lang="en-US" smtClean="0"/>
-              <a:t>8/24/2023</a:t>
+              <a:t>8/27/2023</a:t>
             </a:fld>
             <a:endParaRPr lang="en-US"/>
           </a:p>
@@ -2850,7 +2875,7 @@
           <a:p>
             <a:fld id="{63A1C593-65D0-4073-BCC9-577B9352EA97}" type="datetimeFigureOut">
               <a:rPr lang="en-US" smtClean="0"/>
-              <a:t>8/24/2023</a:t>
+              <a:t>8/27/2023</a:t>
             </a:fld>
             <a:endParaRPr lang="en-US"/>
           </a:p>
@@ -3097,7 +3122,7 @@
           <a:p>
             <a:fld id="{63A1C593-65D0-4073-BCC9-577B9352EA97}" type="datetimeFigureOut">
               <a:rPr lang="en-US" smtClean="0"/>
-              <a:t>8/24/2023</a:t>
+              <a:t>8/27/2023</a:t>
             </a:fld>
             <a:endParaRPr lang="en-US"/>
           </a:p>
@@ -3303,7 +3328,7 @@
           <a:p>
             <a:fld id="{63A1C593-65D0-4073-BCC9-577B9352EA97}" type="datetimeFigureOut">
               <a:rPr lang="en-US" smtClean="0"/>
-              <a:t>8/24/2023</a:t>
+              <a:t>8/27/2023</a:t>
             </a:fld>
             <a:endParaRPr lang="en-US"/>
           </a:p>
@@ -3718,6 +3743,18 @@
           <a:bodyPr/>
           <a:lstStyle/>
           <a:p>
+            <a:r>
+              <a:rPr lang="en-US" dirty="0" err="1">
+                <a:cs typeface="Calibri Light"/>
+              </a:rPr>
+              <a:t>Langchain</a:t>
+            </a:r>
+            <a:r>
+              <a:rPr lang="en-US" dirty="0">
+                <a:cs typeface="Calibri Light"/>
+              </a:rPr>
+              <a:t> Agents and React</a:t>
+            </a:r>
             <a:endParaRPr lang="en-US" dirty="0"/>
           </a:p>
         </p:txBody>
